--- a/77 - God be With You 'Til We Meet Again.pptx
+++ b/77 - God be With You 'Til We Meet Again.pptx
@@ -242,7 +242,7 @@
           <a:p>
             <a:fld id="{32F7251A-AE54-443C-B8FE-5F636E835EBF}" type="datetimeFigureOut">
               <a:rPr lang="en-US" smtClean="0"/>
-              <a:t>2/24/2018</a:t>
+              <a:t>8/2/2020</a:t>
             </a:fld>
             <a:endParaRPr lang="en-US"/>
           </a:p>
@@ -410,7 +410,7 @@
           <a:p>
             <a:fld id="{32F7251A-AE54-443C-B8FE-5F636E835EBF}" type="datetimeFigureOut">
               <a:rPr lang="en-US" smtClean="0"/>
-              <a:t>2/24/2018</a:t>
+              <a:t>8/2/2020</a:t>
             </a:fld>
             <a:endParaRPr lang="en-US"/>
           </a:p>
@@ -588,7 +588,7 @@
           <a:p>
             <a:fld id="{32F7251A-AE54-443C-B8FE-5F636E835EBF}" type="datetimeFigureOut">
               <a:rPr lang="en-US" smtClean="0"/>
-              <a:t>2/24/2018</a:t>
+              <a:t>8/2/2020</a:t>
             </a:fld>
             <a:endParaRPr lang="en-US"/>
           </a:p>
@@ -756,7 +756,7 @@
           <a:p>
             <a:fld id="{32F7251A-AE54-443C-B8FE-5F636E835EBF}" type="datetimeFigureOut">
               <a:rPr lang="en-US" smtClean="0"/>
-              <a:t>2/24/2018</a:t>
+              <a:t>8/2/2020</a:t>
             </a:fld>
             <a:endParaRPr lang="en-US"/>
           </a:p>
@@ -1001,7 +1001,7 @@
           <a:p>
             <a:fld id="{32F7251A-AE54-443C-B8FE-5F636E835EBF}" type="datetimeFigureOut">
               <a:rPr lang="en-US" smtClean="0"/>
-              <a:t>2/24/2018</a:t>
+              <a:t>8/2/2020</a:t>
             </a:fld>
             <a:endParaRPr lang="en-US"/>
           </a:p>
@@ -1230,7 +1230,7 @@
           <a:p>
             <a:fld id="{32F7251A-AE54-443C-B8FE-5F636E835EBF}" type="datetimeFigureOut">
               <a:rPr lang="en-US" smtClean="0"/>
-              <a:t>2/24/2018</a:t>
+              <a:t>8/2/2020</a:t>
             </a:fld>
             <a:endParaRPr lang="en-US"/>
           </a:p>
@@ -1594,7 +1594,7 @@
           <a:p>
             <a:fld id="{32F7251A-AE54-443C-B8FE-5F636E835EBF}" type="datetimeFigureOut">
               <a:rPr lang="en-US" smtClean="0"/>
-              <a:t>2/24/2018</a:t>
+              <a:t>8/2/2020</a:t>
             </a:fld>
             <a:endParaRPr lang="en-US"/>
           </a:p>
@@ -1711,7 +1711,7 @@
           <a:p>
             <a:fld id="{32F7251A-AE54-443C-B8FE-5F636E835EBF}" type="datetimeFigureOut">
               <a:rPr lang="en-US" smtClean="0"/>
-              <a:t>2/24/2018</a:t>
+              <a:t>8/2/2020</a:t>
             </a:fld>
             <a:endParaRPr lang="en-US"/>
           </a:p>
@@ -1806,7 +1806,7 @@
           <a:p>
             <a:fld id="{32F7251A-AE54-443C-B8FE-5F636E835EBF}" type="datetimeFigureOut">
               <a:rPr lang="en-US" smtClean="0"/>
-              <a:t>2/24/2018</a:t>
+              <a:t>8/2/2020</a:t>
             </a:fld>
             <a:endParaRPr lang="en-US"/>
           </a:p>
@@ -2081,7 +2081,7 @@
           <a:p>
             <a:fld id="{32F7251A-AE54-443C-B8FE-5F636E835EBF}" type="datetimeFigureOut">
               <a:rPr lang="en-US" smtClean="0"/>
-              <a:t>2/24/2018</a:t>
+              <a:t>8/2/2020</a:t>
             </a:fld>
             <a:endParaRPr lang="en-US"/>
           </a:p>
@@ -2333,7 +2333,7 @@
           <a:p>
             <a:fld id="{32F7251A-AE54-443C-B8FE-5F636E835EBF}" type="datetimeFigureOut">
               <a:rPr lang="en-US" smtClean="0"/>
-              <a:t>2/24/2018</a:t>
+              <a:t>8/2/2020</a:t>
             </a:fld>
             <a:endParaRPr lang="en-US"/>
           </a:p>
@@ -2400,7 +2400,9 @@
     <p:bg>
       <p:bgPr>
         <a:solidFill>
-          <a:srgbClr val="333333"/>
+          <a:schemeClr val="bg1">
+            <a:lumMod val="10000"/>
+          </a:schemeClr>
         </a:solidFill>
         <a:effectLst/>
       </p:bgPr>
@@ -2547,7 +2549,7 @@
           <a:p>
             <a:fld id="{32F7251A-AE54-443C-B8FE-5F636E835EBF}" type="datetimeFigureOut">
               <a:rPr lang="en-US" smtClean="0"/>
-              <a:t>2/24/2018</a:t>
+              <a:t>8/2/2020</a:t>
             </a:fld>
             <a:endParaRPr lang="en-US"/>
           </a:p>
@@ -3017,8 +3019,8 @@
         </p:nvSpPr>
         <p:spPr>
           <a:xfrm>
-            <a:off x="0" y="5804209"/>
-            <a:ext cx="12192000" cy="830997"/>
+            <a:off x="0" y="5927320"/>
+            <a:ext cx="12192000" cy="584775"/>
           </a:xfrm>
           <a:prstGeom prst="rect">
             <a:avLst/>
@@ -3033,26 +3035,32 @@
           <a:p>
             <a:pPr algn="ctr"/>
             <a:r>
-              <a:rPr lang="en-US" sz="4800" dirty="0">
+              <a:rPr lang="en-US" sz="3200" u="sng" dirty="0">
                 <a:solidFill>
                   <a:schemeClr val="bg1"/>
                 </a:solidFill>
+                <a:latin typeface="Assistant SemiBold" panose="00000700000000000000" pitchFamily="2" charset="-79"/>
+                <a:cs typeface="Assistant SemiBold" panose="00000700000000000000" pitchFamily="2" charset="-79"/>
               </a:rPr>
               <a:t>“God Be With You </a:t>
             </a:r>
             <a:r>
-              <a:rPr lang="en-US" sz="4800" dirty="0" err="1">
+              <a:rPr lang="en-US" sz="3200" u="sng" dirty="0" err="1">
                 <a:solidFill>
                   <a:schemeClr val="bg1"/>
                 </a:solidFill>
+                <a:latin typeface="Assistant SemiBold" panose="00000700000000000000" pitchFamily="2" charset="-79"/>
+                <a:cs typeface="Assistant SemiBold" panose="00000700000000000000" pitchFamily="2" charset="-79"/>
               </a:rPr>
               <a:t>‘Til</a:t>
             </a:r>
             <a:r>
-              <a:rPr lang="en-US" sz="4800" dirty="0">
+              <a:rPr lang="en-US" sz="3200" u="sng" dirty="0">
                 <a:solidFill>
                   <a:schemeClr val="bg1"/>
                 </a:solidFill>
+                <a:latin typeface="Assistant SemiBold" panose="00000700000000000000" pitchFamily="2" charset="-79"/>
+                <a:cs typeface="Assistant SemiBold" panose="00000700000000000000" pitchFamily="2" charset="-79"/>
               </a:rPr>
               <a:t> We Meet Again”</a:t>
             </a:r>
@@ -3067,8 +3075,8 @@
         </p:nvSpPr>
         <p:spPr>
           <a:xfrm>
-            <a:off x="0" y="215807"/>
-            <a:ext cx="12192000" cy="5078313"/>
+            <a:off x="0" y="798513"/>
+            <a:ext cx="12192000" cy="3970318"/>
           </a:xfrm>
           <a:prstGeom prst="rect">
             <a:avLst/>
@@ -3083,10 +3091,12 @@
           <a:p>
             <a:pPr algn="ctr"/>
             <a:r>
-              <a:rPr lang="en-US" sz="3600" dirty="0">
+              <a:rPr lang="en-US" sz="2800" spc="50" dirty="0">
                 <a:solidFill>
                   <a:schemeClr val="bg1"/>
                 </a:solidFill>
+                <a:latin typeface="Assistant" panose="00000500000000000000" pitchFamily="2" charset="-79"/>
+                <a:cs typeface="Assistant" panose="00000500000000000000" pitchFamily="2" charset="-79"/>
               </a:rPr>
               <a:t>God be with you ‘til we meet again,</a:t>
             </a:r>
@@ -3094,10 +3104,12 @@
           <a:p>
             <a:pPr algn="ctr"/>
             <a:r>
-              <a:rPr lang="en-US" sz="3600" dirty="0">
+              <a:rPr lang="en-US" sz="2800" spc="50" dirty="0">
                 <a:solidFill>
                   <a:schemeClr val="bg1"/>
                 </a:solidFill>
+                <a:latin typeface="Assistant" panose="00000500000000000000" pitchFamily="2" charset="-79"/>
+                <a:cs typeface="Assistant" panose="00000500000000000000" pitchFamily="2" charset="-79"/>
               </a:rPr>
               <a:t>By His counsels guide, uphold you,</a:t>
             </a:r>
@@ -3105,10 +3117,12 @@
           <a:p>
             <a:pPr algn="ctr"/>
             <a:r>
-              <a:rPr lang="en-US" sz="3600" dirty="0">
+              <a:rPr lang="en-US" sz="2800" spc="50" dirty="0">
                 <a:solidFill>
                   <a:schemeClr val="bg1"/>
                 </a:solidFill>
+                <a:latin typeface="Assistant" panose="00000500000000000000" pitchFamily="2" charset="-79"/>
+                <a:cs typeface="Assistant" panose="00000500000000000000" pitchFamily="2" charset="-79"/>
               </a:rPr>
               <a:t>With His sheep securely fold you;</a:t>
             </a:r>
@@ -3116,37 +3130,45 @@
           <a:p>
             <a:pPr algn="ctr"/>
             <a:r>
-              <a:rPr lang="en-US" sz="3600" dirty="0">
+              <a:rPr lang="en-US" sz="2800" spc="50" dirty="0">
                 <a:solidFill>
                   <a:schemeClr val="bg1"/>
                 </a:solidFill>
+                <a:latin typeface="Assistant" panose="00000500000000000000" pitchFamily="2" charset="-79"/>
+                <a:cs typeface="Assistant" panose="00000500000000000000" pitchFamily="2" charset="-79"/>
               </a:rPr>
               <a:t>God be with you ‘til we meet again.</a:t>
             </a:r>
           </a:p>
           <a:p>
             <a:pPr algn="ctr"/>
-            <a:endParaRPr lang="en-US" sz="3600" dirty="0">
+            <a:endParaRPr lang="en-US" sz="2800" spc="50" dirty="0">
               <a:solidFill>
                 <a:schemeClr val="bg1"/>
               </a:solidFill>
+              <a:latin typeface="Assistant" panose="00000500000000000000" pitchFamily="2" charset="-79"/>
+              <a:cs typeface="Assistant" panose="00000500000000000000" pitchFamily="2" charset="-79"/>
             </a:endParaRPr>
           </a:p>
           <a:p>
             <a:pPr algn="ctr"/>
             <a:r>
-              <a:rPr lang="en-US" sz="3600" dirty="0" err="1">
+              <a:rPr lang="en-US" sz="2800" spc="50" dirty="0" err="1">
                 <a:solidFill>
                   <a:schemeClr val="bg1"/>
                 </a:solidFill>
+                <a:latin typeface="Assistant" panose="00000500000000000000" pitchFamily="2" charset="-79"/>
+                <a:cs typeface="Assistant" panose="00000500000000000000" pitchFamily="2" charset="-79"/>
               </a:rPr>
               <a:t>‘Til</a:t>
             </a:r>
             <a:r>
-              <a:rPr lang="en-US" sz="3600" dirty="0">
+              <a:rPr lang="en-US" sz="2800" spc="50" dirty="0">
                 <a:solidFill>
                   <a:schemeClr val="bg1"/>
                 </a:solidFill>
+                <a:latin typeface="Assistant" panose="00000500000000000000" pitchFamily="2" charset="-79"/>
+                <a:cs typeface="Assistant" panose="00000500000000000000" pitchFamily="2" charset="-79"/>
               </a:rPr>
               <a:t> we meet, ‘til we meet,</a:t>
             </a:r>
@@ -3154,18 +3176,22 @@
           <a:p>
             <a:pPr algn="ctr"/>
             <a:r>
-              <a:rPr lang="en-US" sz="3600" dirty="0" err="1">
+              <a:rPr lang="en-US" sz="2800" spc="50" dirty="0" err="1">
                 <a:solidFill>
                   <a:schemeClr val="bg1"/>
                 </a:solidFill>
+                <a:latin typeface="Assistant" panose="00000500000000000000" pitchFamily="2" charset="-79"/>
+                <a:cs typeface="Assistant" panose="00000500000000000000" pitchFamily="2" charset="-79"/>
               </a:rPr>
               <a:t>‘Til</a:t>
             </a:r>
             <a:r>
-              <a:rPr lang="en-US" sz="3600" dirty="0">
+              <a:rPr lang="en-US" sz="2800" spc="50" dirty="0">
                 <a:solidFill>
                   <a:schemeClr val="bg1"/>
                 </a:solidFill>
+                <a:latin typeface="Assistant" panose="00000500000000000000" pitchFamily="2" charset="-79"/>
+                <a:cs typeface="Assistant" panose="00000500000000000000" pitchFamily="2" charset="-79"/>
               </a:rPr>
               <a:t> we meet at Jesus’ feet;</a:t>
             </a:r>
@@ -3173,18 +3199,22 @@
           <a:p>
             <a:pPr algn="ctr"/>
             <a:r>
-              <a:rPr lang="en-US" sz="3600" dirty="0" err="1">
+              <a:rPr lang="en-US" sz="2800" spc="50" dirty="0" err="1">
                 <a:solidFill>
                   <a:schemeClr val="bg1"/>
                 </a:solidFill>
+                <a:latin typeface="Assistant" panose="00000500000000000000" pitchFamily="2" charset="-79"/>
+                <a:cs typeface="Assistant" panose="00000500000000000000" pitchFamily="2" charset="-79"/>
               </a:rPr>
               <a:t>‘Til</a:t>
             </a:r>
             <a:r>
-              <a:rPr lang="en-US" sz="3600" dirty="0">
+              <a:rPr lang="en-US" sz="2800" spc="50" dirty="0">
                 <a:solidFill>
                   <a:schemeClr val="bg1"/>
                 </a:solidFill>
+                <a:latin typeface="Assistant" panose="00000500000000000000" pitchFamily="2" charset="-79"/>
+                <a:cs typeface="Assistant" panose="00000500000000000000" pitchFamily="2" charset="-79"/>
               </a:rPr>
               <a:t> we meet, ‘til we meet,</a:t>
             </a:r>
@@ -3192,10 +3222,12 @@
           <a:p>
             <a:pPr algn="ctr"/>
             <a:r>
-              <a:rPr lang="en-US" sz="3600" dirty="0">
+              <a:rPr lang="en-US" sz="2800" spc="50" dirty="0">
                 <a:solidFill>
                   <a:schemeClr val="bg1"/>
                 </a:solidFill>
+                <a:latin typeface="Assistant" panose="00000500000000000000" pitchFamily="2" charset="-79"/>
+                <a:cs typeface="Assistant" panose="00000500000000000000" pitchFamily="2" charset="-79"/>
               </a:rPr>
               <a:t>God be with you ‘til we meet again.</a:t>
             </a:r>
@@ -3297,8 +3329,8 @@
         </p:nvSpPr>
         <p:spPr>
           <a:xfrm>
-            <a:off x="0" y="5804209"/>
-            <a:ext cx="12192000" cy="830997"/>
+            <a:off x="0" y="5927320"/>
+            <a:ext cx="12192000" cy="584775"/>
           </a:xfrm>
           <a:prstGeom prst="rect">
             <a:avLst/>
@@ -3313,26 +3345,32 @@
           <a:p>
             <a:pPr algn="ctr"/>
             <a:r>
-              <a:rPr lang="en-US" sz="4800" dirty="0">
+              <a:rPr lang="en-US" sz="3200" u="sng" dirty="0">
                 <a:solidFill>
                   <a:schemeClr val="bg1"/>
                 </a:solidFill>
+                <a:latin typeface="Assistant SemiBold" panose="00000700000000000000" pitchFamily="2" charset="-79"/>
+                <a:cs typeface="Assistant SemiBold" panose="00000700000000000000" pitchFamily="2" charset="-79"/>
               </a:rPr>
               <a:t>“God Be With You </a:t>
             </a:r>
             <a:r>
-              <a:rPr lang="en-US" sz="4800" dirty="0" err="1">
+              <a:rPr lang="en-US" sz="3200" u="sng" dirty="0" err="1">
                 <a:solidFill>
                   <a:schemeClr val="bg1"/>
                 </a:solidFill>
+                <a:latin typeface="Assistant SemiBold" panose="00000700000000000000" pitchFamily="2" charset="-79"/>
+                <a:cs typeface="Assistant SemiBold" panose="00000700000000000000" pitchFamily="2" charset="-79"/>
               </a:rPr>
               <a:t>‘Til</a:t>
             </a:r>
             <a:r>
-              <a:rPr lang="en-US" sz="4800" dirty="0">
+              <a:rPr lang="en-US" sz="3200" u="sng" dirty="0">
                 <a:solidFill>
                   <a:schemeClr val="bg1"/>
                 </a:solidFill>
+                <a:latin typeface="Assistant SemiBold" panose="00000700000000000000" pitchFamily="2" charset="-79"/>
+                <a:cs typeface="Assistant SemiBold" panose="00000700000000000000" pitchFamily="2" charset="-79"/>
               </a:rPr>
               <a:t> We Meet Again”</a:t>
             </a:r>
@@ -3347,8 +3385,8 @@
         </p:nvSpPr>
         <p:spPr>
           <a:xfrm>
-            <a:off x="0" y="215807"/>
-            <a:ext cx="12192000" cy="5078313"/>
+            <a:off x="0" y="729571"/>
+            <a:ext cx="12192000" cy="3970318"/>
           </a:xfrm>
           <a:prstGeom prst="rect">
             <a:avLst/>
@@ -3363,10 +3401,12 @@
           <a:p>
             <a:pPr algn="ctr"/>
             <a:r>
-              <a:rPr lang="en-US" sz="3600" dirty="0">
+              <a:rPr lang="en-US" sz="2800" spc="50" dirty="0">
                 <a:solidFill>
                   <a:schemeClr val="bg1"/>
                 </a:solidFill>
+                <a:latin typeface="Assistant" panose="00000500000000000000" pitchFamily="2" charset="-79"/>
+                <a:cs typeface="Assistant" panose="00000500000000000000" pitchFamily="2" charset="-79"/>
               </a:rPr>
               <a:t>God be with you ‘til we meet again,</a:t>
             </a:r>
@@ -3374,10 +3414,12 @@
           <a:p>
             <a:pPr algn="ctr"/>
             <a:r>
-              <a:rPr lang="en-US" sz="3600" dirty="0">
+              <a:rPr lang="en-US" sz="2800" spc="50" dirty="0">
                 <a:solidFill>
                   <a:schemeClr val="bg1"/>
                 </a:solidFill>
+                <a:latin typeface="Assistant" panose="00000500000000000000" pitchFamily="2" charset="-79"/>
+                <a:cs typeface="Assistant" panose="00000500000000000000" pitchFamily="2" charset="-79"/>
               </a:rPr>
               <a:t>Daily manna still provide you,</a:t>
             </a:r>
@@ -3385,10 +3427,12 @@
           <a:p>
             <a:pPr algn="ctr"/>
             <a:r>
-              <a:rPr lang="en-US" sz="3600" dirty="0">
+              <a:rPr lang="en-US" sz="2800" spc="50" dirty="0">
                 <a:solidFill>
                   <a:schemeClr val="bg1"/>
                 </a:solidFill>
+                <a:latin typeface="Assistant" panose="00000500000000000000" pitchFamily="2" charset="-79"/>
+                <a:cs typeface="Assistant" panose="00000500000000000000" pitchFamily="2" charset="-79"/>
               </a:rPr>
               <a:t>‘Neath His wings protect and hide you;</a:t>
             </a:r>
@@ -3396,37 +3440,45 @@
           <a:p>
             <a:pPr algn="ctr"/>
             <a:r>
-              <a:rPr lang="en-US" sz="3600" dirty="0">
+              <a:rPr lang="en-US" sz="2800" spc="50" dirty="0">
                 <a:solidFill>
                   <a:schemeClr val="bg1"/>
                 </a:solidFill>
+                <a:latin typeface="Assistant" panose="00000500000000000000" pitchFamily="2" charset="-79"/>
+                <a:cs typeface="Assistant" panose="00000500000000000000" pitchFamily="2" charset="-79"/>
               </a:rPr>
               <a:t>God me with you ‘til we meet again.</a:t>
             </a:r>
           </a:p>
           <a:p>
             <a:pPr algn="ctr"/>
-            <a:endParaRPr lang="en-US" sz="3600" dirty="0">
+            <a:endParaRPr lang="en-US" sz="2800" spc="50" dirty="0">
               <a:solidFill>
                 <a:schemeClr val="bg1"/>
               </a:solidFill>
+              <a:latin typeface="Assistant" panose="00000500000000000000" pitchFamily="2" charset="-79"/>
+              <a:cs typeface="Assistant" panose="00000500000000000000" pitchFamily="2" charset="-79"/>
             </a:endParaRPr>
           </a:p>
           <a:p>
             <a:pPr algn="ctr"/>
             <a:r>
-              <a:rPr lang="en-US" sz="3600" dirty="0" err="1">
+              <a:rPr lang="en-US" sz="2800" spc="50" dirty="0" err="1">
                 <a:solidFill>
                   <a:schemeClr val="bg1"/>
                 </a:solidFill>
+                <a:latin typeface="Assistant" panose="00000500000000000000" pitchFamily="2" charset="-79"/>
+                <a:cs typeface="Assistant" panose="00000500000000000000" pitchFamily="2" charset="-79"/>
               </a:rPr>
               <a:t>‘Til</a:t>
             </a:r>
             <a:r>
-              <a:rPr lang="en-US" sz="3600" dirty="0">
+              <a:rPr lang="en-US" sz="2800" spc="50" dirty="0">
                 <a:solidFill>
                   <a:schemeClr val="bg1"/>
                 </a:solidFill>
+                <a:latin typeface="Assistant" panose="00000500000000000000" pitchFamily="2" charset="-79"/>
+                <a:cs typeface="Assistant" panose="00000500000000000000" pitchFamily="2" charset="-79"/>
               </a:rPr>
               <a:t> we meet, ‘til we meet,</a:t>
             </a:r>
@@ -3434,18 +3486,22 @@
           <a:p>
             <a:pPr algn="ctr"/>
             <a:r>
-              <a:rPr lang="en-US" sz="3600" dirty="0" err="1">
+              <a:rPr lang="en-US" sz="2800" spc="50" dirty="0" err="1">
                 <a:solidFill>
                   <a:schemeClr val="bg1"/>
                 </a:solidFill>
+                <a:latin typeface="Assistant" panose="00000500000000000000" pitchFamily="2" charset="-79"/>
+                <a:cs typeface="Assistant" panose="00000500000000000000" pitchFamily="2" charset="-79"/>
               </a:rPr>
               <a:t>‘Til</a:t>
             </a:r>
             <a:r>
-              <a:rPr lang="en-US" sz="3600" dirty="0">
+              <a:rPr lang="en-US" sz="2800" spc="50" dirty="0">
                 <a:solidFill>
                   <a:schemeClr val="bg1"/>
                 </a:solidFill>
+                <a:latin typeface="Assistant" panose="00000500000000000000" pitchFamily="2" charset="-79"/>
+                <a:cs typeface="Assistant" panose="00000500000000000000" pitchFamily="2" charset="-79"/>
               </a:rPr>
               <a:t> we meet at Jesus’ feet;</a:t>
             </a:r>
@@ -3453,18 +3509,22 @@
           <a:p>
             <a:pPr algn="ctr"/>
             <a:r>
-              <a:rPr lang="en-US" sz="3600" dirty="0" err="1">
+              <a:rPr lang="en-US" sz="2800" spc="50" dirty="0" err="1">
                 <a:solidFill>
                   <a:schemeClr val="bg1"/>
                 </a:solidFill>
+                <a:latin typeface="Assistant" panose="00000500000000000000" pitchFamily="2" charset="-79"/>
+                <a:cs typeface="Assistant" panose="00000500000000000000" pitchFamily="2" charset="-79"/>
               </a:rPr>
               <a:t>‘Til</a:t>
             </a:r>
             <a:r>
-              <a:rPr lang="en-US" sz="3600" dirty="0">
+              <a:rPr lang="en-US" sz="2800" spc="50" dirty="0">
                 <a:solidFill>
                   <a:schemeClr val="bg1"/>
                 </a:solidFill>
+                <a:latin typeface="Assistant" panose="00000500000000000000" pitchFamily="2" charset="-79"/>
+                <a:cs typeface="Assistant" panose="00000500000000000000" pitchFamily="2" charset="-79"/>
               </a:rPr>
               <a:t> we meet, ‘til we meet,</a:t>
             </a:r>
@@ -3472,10 +3532,12 @@
           <a:p>
             <a:pPr algn="ctr"/>
             <a:r>
-              <a:rPr lang="en-US" sz="3600" dirty="0">
+              <a:rPr lang="en-US" sz="2800" spc="50" dirty="0">
                 <a:solidFill>
                   <a:schemeClr val="bg1"/>
                 </a:solidFill>
+                <a:latin typeface="Assistant" panose="00000500000000000000" pitchFamily="2" charset="-79"/>
+                <a:cs typeface="Assistant" panose="00000500000000000000" pitchFamily="2" charset="-79"/>
               </a:rPr>
               <a:t>God be with you ‘til we meet again.</a:t>
             </a:r>
